--- a/images/Raw.pptx
+++ b/images/Raw.pptx
@@ -11,6 +11,7 @@
     <p:sldId id="259" r:id="rId5"/>
     <p:sldId id="260" r:id="rId6"/>
     <p:sldId id="261" r:id="rId7"/>
+    <p:sldId id="262" r:id="rId8"/>
   </p:sldIdLst>
   <p:sldSz cx="12192000" cy="6858000"/>
   <p:notesSz cx="6858000" cy="9144000"/>
@@ -109,6 +110,11 @@
       </a:defRPr>
     </a:lvl9pPr>
   </p:defaultTextStyle>
+  <p:extLst>
+    <p:ext uri="{EFAFB233-063F-42B5-8137-9DF3F51BA10A}">
+      <p15:sldGuideLst xmlns:p15="http://schemas.microsoft.com/office/powerpoint/2012/main"/>
+    </p:ext>
+  </p:extLst>
 </p:presentation>
 </file>
 
@@ -259,7 +265,7 @@
           <a:p>
             <a:fld id="{DD804DE2-496E-4C9C-B1A5-061AF70CE2D8}" type="datetimeFigureOut">
               <a:rPr lang="en-US" smtClean="0"/>
-              <a:t>1/15/2020</a:t>
+              <a:t>1/21/2020</a:t>
             </a:fld>
             <a:endParaRPr lang="en-US"/>
           </a:p>
@@ -457,7 +463,7 @@
           <a:p>
             <a:fld id="{DD804DE2-496E-4C9C-B1A5-061AF70CE2D8}" type="datetimeFigureOut">
               <a:rPr lang="en-US" smtClean="0"/>
-              <a:t>1/15/2020</a:t>
+              <a:t>1/21/2020</a:t>
             </a:fld>
             <a:endParaRPr lang="en-US"/>
           </a:p>
@@ -665,7 +671,7 @@
           <a:p>
             <a:fld id="{DD804DE2-496E-4C9C-B1A5-061AF70CE2D8}" type="datetimeFigureOut">
               <a:rPr lang="en-US" smtClean="0"/>
-              <a:t>1/15/2020</a:t>
+              <a:t>1/21/2020</a:t>
             </a:fld>
             <a:endParaRPr lang="en-US"/>
           </a:p>
@@ -863,7 +869,7 @@
           <a:p>
             <a:fld id="{DD804DE2-496E-4C9C-B1A5-061AF70CE2D8}" type="datetimeFigureOut">
               <a:rPr lang="en-US" smtClean="0"/>
-              <a:t>1/15/2020</a:t>
+              <a:t>1/21/2020</a:t>
             </a:fld>
             <a:endParaRPr lang="en-US"/>
           </a:p>
@@ -1138,7 +1144,7 @@
           <a:p>
             <a:fld id="{DD804DE2-496E-4C9C-B1A5-061AF70CE2D8}" type="datetimeFigureOut">
               <a:rPr lang="en-US" smtClean="0"/>
-              <a:t>1/15/2020</a:t>
+              <a:t>1/21/2020</a:t>
             </a:fld>
             <a:endParaRPr lang="en-US"/>
           </a:p>
@@ -1403,7 +1409,7 @@
           <a:p>
             <a:fld id="{DD804DE2-496E-4C9C-B1A5-061AF70CE2D8}" type="datetimeFigureOut">
               <a:rPr lang="en-US" smtClean="0"/>
-              <a:t>1/15/2020</a:t>
+              <a:t>1/21/2020</a:t>
             </a:fld>
             <a:endParaRPr lang="en-US"/>
           </a:p>
@@ -1815,7 +1821,7 @@
           <a:p>
             <a:fld id="{DD804DE2-496E-4C9C-B1A5-061AF70CE2D8}" type="datetimeFigureOut">
               <a:rPr lang="en-US" smtClean="0"/>
-              <a:t>1/15/2020</a:t>
+              <a:t>1/21/2020</a:t>
             </a:fld>
             <a:endParaRPr lang="en-US"/>
           </a:p>
@@ -1956,7 +1962,7 @@
           <a:p>
             <a:fld id="{DD804DE2-496E-4C9C-B1A5-061AF70CE2D8}" type="datetimeFigureOut">
               <a:rPr lang="en-US" smtClean="0"/>
-              <a:t>1/15/2020</a:t>
+              <a:t>1/21/2020</a:t>
             </a:fld>
             <a:endParaRPr lang="en-US"/>
           </a:p>
@@ -2069,7 +2075,7 @@
           <a:p>
             <a:fld id="{DD804DE2-496E-4C9C-B1A5-061AF70CE2D8}" type="datetimeFigureOut">
               <a:rPr lang="en-US" smtClean="0"/>
-              <a:t>1/15/2020</a:t>
+              <a:t>1/21/2020</a:t>
             </a:fld>
             <a:endParaRPr lang="en-US"/>
           </a:p>
@@ -2380,7 +2386,7 @@
           <a:p>
             <a:fld id="{DD804DE2-496E-4C9C-B1A5-061AF70CE2D8}" type="datetimeFigureOut">
               <a:rPr lang="en-US" smtClean="0"/>
-              <a:t>1/15/2020</a:t>
+              <a:t>1/21/2020</a:t>
             </a:fld>
             <a:endParaRPr lang="en-US"/>
           </a:p>
@@ -2668,7 +2674,7 @@
           <a:p>
             <a:fld id="{DD804DE2-496E-4C9C-B1A5-061AF70CE2D8}" type="datetimeFigureOut">
               <a:rPr lang="en-US" smtClean="0"/>
-              <a:t>1/15/2020</a:t>
+              <a:t>1/21/2020</a:t>
             </a:fld>
             <a:endParaRPr lang="en-US"/>
           </a:p>
@@ -2909,7 +2915,7 @@
           <a:p>
             <a:fld id="{DD804DE2-496E-4C9C-B1A5-061AF70CE2D8}" type="datetimeFigureOut">
               <a:rPr lang="en-US" smtClean="0"/>
-              <a:t>1/15/2020</a:t>
+              <a:t>1/21/2020</a:t>
             </a:fld>
             <a:endParaRPr lang="en-US"/>
           </a:p>
@@ -27597,6 +27603,200 @@
 </p:sld>
 </file>
 
+<file path=ppt/slides/slide7.xml><?xml version="1.0" encoding="utf-8"?>
+<p:sld xmlns:a="http://schemas.openxmlformats.org/drawingml/2006/main" xmlns:r="http://schemas.openxmlformats.org/officeDocument/2006/relationships" xmlns:p="http://schemas.openxmlformats.org/presentationml/2006/main">
+  <p:cSld>
+    <p:spTree>
+      <p:nvGrpSpPr>
+        <p:cNvPr id="1" name=""/>
+        <p:cNvGrpSpPr/>
+        <p:nvPr/>
+      </p:nvGrpSpPr>
+      <p:grpSpPr>
+        <a:xfrm>
+          <a:off x="0" y="0"/>
+          <a:ext cx="0" cy="0"/>
+          <a:chOff x="0" y="0"/>
+          <a:chExt cx="0" cy="0"/>
+        </a:xfrm>
+      </p:grpSpPr>
+      <p:pic>
+        <p:nvPicPr>
+          <p:cNvPr id="3" name="Picture 2" descr="A close up of electronics&#10;&#10;Description automatically generated">
+            <a:extLst>
+              <a:ext uri="{FF2B5EF4-FFF2-40B4-BE49-F238E27FC236}">
+                <a16:creationId xmlns:a16="http://schemas.microsoft.com/office/drawing/2014/main" id="{90323257-24EB-4670-84BD-83F70264E4F0}"/>
+              </a:ext>
+            </a:extLst>
+          </p:cNvPr>
+          <p:cNvPicPr>
+            <a:picLocks noChangeAspect="1"/>
+          </p:cNvPicPr>
+          <p:nvPr/>
+        </p:nvPicPr>
+        <p:blipFill rotWithShape="1">
+          <a:blip r:embed="rId2">
+            <a:extLst>
+              <a:ext uri="{28A0092B-C50C-407E-A947-70E740481C1C}">
+                <a14:useLocalDpi xmlns:a14="http://schemas.microsoft.com/office/drawing/2010/main" val="0"/>
+              </a:ext>
+            </a:extLst>
+          </a:blip>
+          <a:srcRect t="13462" b="11501"/>
+          <a:stretch/>
+        </p:blipFill>
+        <p:spPr>
+          <a:xfrm>
+            <a:off x="5929" y="0"/>
+            <a:ext cx="12186071" cy="6858000"/>
+          </a:xfrm>
+          <a:prstGeom prst="rect">
+            <a:avLst/>
+          </a:prstGeom>
+        </p:spPr>
+      </p:pic>
+      <p:grpSp>
+        <p:nvGrpSpPr>
+          <p:cNvPr id="8" name="Group 7">
+            <a:extLst>
+              <a:ext uri="{FF2B5EF4-FFF2-40B4-BE49-F238E27FC236}">
+                <a16:creationId xmlns:a16="http://schemas.microsoft.com/office/drawing/2014/main" id="{1E9A8408-A02E-4224-85FF-3454DDD41932}"/>
+              </a:ext>
+            </a:extLst>
+          </p:cNvPr>
+          <p:cNvGrpSpPr/>
+          <p:nvPr/>
+        </p:nvGrpSpPr>
+        <p:grpSpPr>
+          <a:xfrm>
+            <a:off x="4570319" y="1903319"/>
+            <a:ext cx="3051362" cy="3051362"/>
+            <a:chOff x="4901453" y="2305050"/>
+            <a:chExt cx="2247900" cy="2247900"/>
+          </a:xfrm>
+        </p:grpSpPr>
+        <p:sp>
+          <p:nvSpPr>
+            <p:cNvPr id="4" name="Rectangle: Rounded Corners 3">
+              <a:extLst>
+                <a:ext uri="{FF2B5EF4-FFF2-40B4-BE49-F238E27FC236}">
+                  <a16:creationId xmlns:a16="http://schemas.microsoft.com/office/drawing/2014/main" id="{A0FE0401-471D-4976-95FC-79B32307DE35}"/>
+                </a:ext>
+              </a:extLst>
+            </p:cNvPr>
+            <p:cNvSpPr/>
+            <p:nvPr/>
+          </p:nvSpPr>
+          <p:spPr>
+            <a:xfrm>
+              <a:off x="4901453" y="2305050"/>
+              <a:ext cx="2247900" cy="2247900"/>
+            </a:xfrm>
+            <a:prstGeom prst="roundRect">
+              <a:avLst/>
+            </a:prstGeom>
+            <a:solidFill>
+              <a:srgbClr val="F20000">
+                <a:alpha val="65098"/>
+              </a:srgbClr>
+            </a:solidFill>
+            <a:ln>
+              <a:noFill/>
+            </a:ln>
+          </p:spPr>
+          <p:style>
+            <a:lnRef idx="2">
+              <a:schemeClr val="accent1">
+                <a:shade val="50000"/>
+              </a:schemeClr>
+            </a:lnRef>
+            <a:fillRef idx="1">
+              <a:schemeClr val="accent1"/>
+            </a:fillRef>
+            <a:effectRef idx="0">
+              <a:schemeClr val="accent1"/>
+            </a:effectRef>
+            <a:fontRef idx="minor">
+              <a:schemeClr val="lt1"/>
+            </a:fontRef>
+          </p:style>
+          <p:txBody>
+            <a:bodyPr rtlCol="0" anchor="ctr"/>
+            <a:lstStyle/>
+            <a:p>
+              <a:pPr algn="ctr"/>
+              <a:endParaRPr lang="en-US" dirty="0"/>
+            </a:p>
+          </p:txBody>
+        </p:sp>
+        <p:sp>
+          <p:nvSpPr>
+            <p:cNvPr id="5" name="Isosceles Triangle 4">
+              <a:extLst>
+                <a:ext uri="{FF2B5EF4-FFF2-40B4-BE49-F238E27FC236}">
+                  <a16:creationId xmlns:a16="http://schemas.microsoft.com/office/drawing/2014/main" id="{95A2CF8E-B72E-47B5-A7B7-1489032ABD41}"/>
+                </a:ext>
+              </a:extLst>
+            </p:cNvPr>
+            <p:cNvSpPr/>
+            <p:nvPr/>
+          </p:nvSpPr>
+          <p:spPr>
+            <a:xfrm rot="5400000">
+              <a:off x="5432612" y="2857114"/>
+              <a:ext cx="1326776" cy="1143772"/>
+            </a:xfrm>
+            <a:prstGeom prst="triangle">
+              <a:avLst/>
+            </a:prstGeom>
+            <a:solidFill>
+              <a:schemeClr val="bg1">
+                <a:lumMod val="95000"/>
+              </a:schemeClr>
+            </a:solidFill>
+            <a:ln w="38100">
+              <a:noFill/>
+            </a:ln>
+          </p:spPr>
+          <p:style>
+            <a:lnRef idx="2">
+              <a:schemeClr val="accent1">
+                <a:shade val="50000"/>
+              </a:schemeClr>
+            </a:lnRef>
+            <a:fillRef idx="1">
+              <a:schemeClr val="accent1"/>
+            </a:fillRef>
+            <a:effectRef idx="0">
+              <a:schemeClr val="accent1"/>
+            </a:effectRef>
+            <a:fontRef idx="minor">
+              <a:schemeClr val="lt1"/>
+            </a:fontRef>
+          </p:style>
+          <p:txBody>
+            <a:bodyPr rtlCol="0" anchor="ctr"/>
+            <a:lstStyle/>
+            <a:p>
+              <a:pPr algn="ctr"/>
+              <a:endParaRPr lang="en-US"/>
+            </a:p>
+          </p:txBody>
+        </p:sp>
+      </p:grpSp>
+    </p:spTree>
+    <p:extLst>
+      <p:ext uri="{BB962C8B-B14F-4D97-AF65-F5344CB8AC3E}">
+        <p14:creationId xmlns:p14="http://schemas.microsoft.com/office/powerpoint/2010/main" val="1677725297"/>
+      </p:ext>
+    </p:extLst>
+  </p:cSld>
+  <p:clrMapOvr>
+    <a:masterClrMapping/>
+  </p:clrMapOvr>
+</p:sld>
+</file>
+
 <file path=ppt/theme/theme1.xml><?xml version="1.0" encoding="utf-8"?>
 <a:theme xmlns:a="http://schemas.openxmlformats.org/drawingml/2006/main" name="Office Theme">
   <a:themeElements>
